--- a/assets/Meal Crafter.pptx
+++ b/assets/Meal Crafter.pptx
@@ -6789,6 +6789,21 @@
                 <a:spcPts val="1600"/>
               </a:spcAft>
             </a:pPr>
+            <a:r>
+              <a:rPr lang="en-US" dirty="0"/>
+              <a:t>A price comparison for all the grocery stores near the user. A shopping list that tells the user which store would be the cheapest to get their groceries at.</a:t>
+            </a:r>
+          </a:p>
+          <a:p>
+            <a:pPr marL="285750" indent="-285750">
+              <a:spcAft>
+                <a:spcPts val="1600"/>
+              </a:spcAft>
+            </a:pPr>
+            <a:r>
+              <a:rPr lang="en-US" dirty="0"/>
+              <a:t>A shopping list that provides the aisle number for ingredient the user needs for a recipe. </a:t>
+            </a:r>
             <a:endParaRPr dirty="0"/>
           </a:p>
         </p:txBody>

--- a/assets/Meal Crafter.pptx
+++ b/assets/Meal Crafter.pptx
@@ -889,7 +889,15 @@
             </a:pPr>
             <a:r>
               <a:rPr lang="en-US" dirty="0"/>
-              <a:t>This app allows for the consumer to not only discover new meals, but also provide them with a list of ingredients to help make shopping easier and quicker. </a:t>
+              <a:t>Our app, Meal Crafter, is a 5-day meal planner. This app allows for the consumer to not only discover new meals, but also provide them with a list of ingredients to help make shopping easier and quicker. Meal Crafter allows for the consumer to plan out their meals for breakfast, lunch, and dinner. The app not only provides the consumer with the ingredients and type of meal, but also the instructions on how to make the meal as well. We hope that the Meal Crafter allows for our consumers to be less stressed when it comes to weekly meal prepping</a:t>
+            </a:r>
+            <a:r>
+              <a:rPr lang="en-US"/>
+              <a:t>. The </a:t>
+            </a:r>
+            <a:r>
+              <a:rPr lang="en-US" dirty="0"/>
+              <a:t>Meal Crafter is not only just for meal preppers, but also is for the everyday foodie who wants to experiment and try new cuisines. </a:t>
             </a:r>
             <a:endParaRPr dirty="0"/>
           </a:p>

--- a/assets/Meal Crafter.pptx
+++ b/assets/Meal Crafter.pptx
@@ -5,16 +5,17 @@
     <p:sldMasterId id="2147483659" r:id="rId1"/>
   </p:sldMasterIdLst>
   <p:notesMasterIdLst>
-    <p:notesMasterId r:id="rId9"/>
+    <p:notesMasterId r:id="rId10"/>
   </p:notesMasterIdLst>
   <p:sldIdLst>
     <p:sldId id="256" r:id="rId2"/>
-    <p:sldId id="257" r:id="rId3"/>
-    <p:sldId id="258" r:id="rId4"/>
-    <p:sldId id="259" r:id="rId5"/>
-    <p:sldId id="260" r:id="rId6"/>
-    <p:sldId id="261" r:id="rId7"/>
-    <p:sldId id="262" r:id="rId8"/>
+    <p:sldId id="263" r:id="rId3"/>
+    <p:sldId id="257" r:id="rId4"/>
+    <p:sldId id="258" r:id="rId5"/>
+    <p:sldId id="259" r:id="rId6"/>
+    <p:sldId id="260" r:id="rId7"/>
+    <p:sldId id="261" r:id="rId8"/>
+    <p:sldId id="262" r:id="rId9"/>
   </p:sldIdLst>
   <p:sldSz cx="9144000" cy="5143500" type="screen16x9"/>
   <p:notesSz cx="6858000" cy="9144000"/>
@@ -247,6 +248,11 @@
       </a:defRPr>
     </a:lvl9pPr>
   </p:defaultTextStyle>
+  <p:extLst>
+    <p:ext uri="{EFAFB233-063F-42B5-8137-9DF3F51BA10A}">
+      <p15:sldGuideLst xmlns:p15="http://schemas.microsoft.com/office/powerpoint/2012/main"/>
+    </p:ext>
+  </p:extLst>
 </p:presentation>
 </file>
 
@@ -888,16 +894,8 @@
               <a:buNone/>
             </a:pPr>
             <a:r>
-              <a:rPr lang="en-US" dirty="0"/>
-              <a:t>Our app, Meal Crafter, is a 5-day meal planner. This app allows for the consumer to not only discover new meals, but also provide them with a list of ingredients to help make shopping easier and quicker. Meal Crafter allows for the consumer to plan out their meals for breakfast, lunch, and dinner. The app not only provides the consumer with the ingredients and type of meal, but also the instructions on how to make the meal as well. We hope that the Meal Crafter allows for our consumers to be less stressed when it comes to weekly meal prepping</a:t>
-            </a:r>
-            <a:r>
-              <a:rPr lang="en-US"/>
-              <a:t>. The </a:t>
-            </a:r>
-            <a:r>
-              <a:rPr lang="en-US" dirty="0"/>
-              <a:t>Meal Crafter is not only just for meal preppers, but also is for the everyday foodie who wants to experiment and try new cuisines. </a:t>
+              <a:rPr lang="en-US" sz="1100" dirty="0"/>
+              <a:t>Our app, Meal Crafter, is a 5-day meal planner. This app allows the consumer to discover new meals and provide them with a list of ingredients to help make shopping easier and quicker. Meal Crafter provides for the consumer to plan out their meals for breakfast, lunch, and dinner. The app offers the consumer not only the ingredients and type of meal but also instructions on how to make the meal. We hope that the Meal Crafter allows our consumers to be less stressed regarding weekly meal prep. The Meal Crafter is not just for meal preppers and but also for the everyday foodie who wants to experiment and try new cuisines. </a:t>
             </a:r>
             <a:endParaRPr dirty="0"/>
           </a:p>
@@ -1107,7 +1105,37 @@
               </a:spcAft>
               <a:buNone/>
             </a:pPr>
-            <a:endParaRPr/>
+            <a:r>
+              <a:rPr lang="en-US" dirty="0"/>
+              <a:t>Breakdown of roles:</a:t>
+            </a:r>
+          </a:p>
+          <a:p>
+            <a:pPr marL="0" lvl="0" indent="0" algn="l" rtl="0">
+              <a:spcBef>
+                <a:spcPts val="0"/>
+              </a:spcBef>
+              <a:spcAft>
+                <a:spcPts val="0"/>
+              </a:spcAft>
+              <a:buNone/>
+            </a:pPr>
+            <a:endParaRPr lang="en-US" dirty="0"/>
+          </a:p>
+          <a:p>
+            <a:pPr marL="0" lvl="0" indent="0" algn="l" rtl="0">
+              <a:spcBef>
+                <a:spcPts val="0"/>
+              </a:spcBef>
+              <a:spcAft>
+                <a:spcPts val="0"/>
+              </a:spcAft>
+              <a:buNone/>
+            </a:pPr>
+            <a:r>
+              <a:rPr lang="en-US" dirty="0"/>
+              <a:t>Challenges</a:t>
+            </a:r>
           </a:p>
         </p:txBody>
       </p:sp>
@@ -6290,6 +6318,207 @@
 </file>
 
 <file path=ppt/slides/slide2.xml><?xml version="1.0" encoding="utf-8"?>
+<p:sld xmlns:a="http://schemas.openxmlformats.org/drawingml/2006/main" xmlns:r="http://schemas.openxmlformats.org/officeDocument/2006/relationships" xmlns:p="http://schemas.openxmlformats.org/presentationml/2006/main" show="0">
+  <p:cSld>
+    <p:spTree>
+      <p:nvGrpSpPr>
+        <p:cNvPr id="1" name=""/>
+        <p:cNvGrpSpPr/>
+        <p:nvPr/>
+      </p:nvGrpSpPr>
+      <p:grpSpPr>
+        <a:xfrm>
+          <a:off x="0" y="0"/>
+          <a:ext cx="0" cy="0"/>
+          <a:chOff x="0" y="0"/>
+          <a:chExt cx="0" cy="0"/>
+        </a:xfrm>
+      </p:grpSpPr>
+      <p:sp>
+        <p:nvSpPr>
+          <p:cNvPr id="2" name="Title 1">
+            <a:extLst>
+              <a:ext uri="{FF2B5EF4-FFF2-40B4-BE49-F238E27FC236}">
+                <a16:creationId xmlns:a16="http://schemas.microsoft.com/office/drawing/2014/main" id="{FC967960-34B6-4A26-92F0-CAFB4E052AF8}"/>
+              </a:ext>
+            </a:extLst>
+          </p:cNvPr>
+          <p:cNvSpPr>
+            <a:spLocks noGrp="1"/>
+          </p:cNvSpPr>
+          <p:nvPr>
+            <p:ph type="title"/>
+          </p:nvPr>
+        </p:nvSpPr>
+        <p:spPr>
+          <a:xfrm>
+            <a:off x="311700" y="429627"/>
+            <a:ext cx="8520600" cy="444432"/>
+          </a:xfrm>
+        </p:spPr>
+        <p:txBody>
+          <a:bodyPr/>
+          <a:lstStyle/>
+          <a:p>
+            <a:r>
+              <a:rPr lang="en-US" sz="2000" b="1" dirty="0"/>
+              <a:t>Project Requirements</a:t>
+            </a:r>
+          </a:p>
+        </p:txBody>
+      </p:sp>
+      <p:sp>
+        <p:nvSpPr>
+          <p:cNvPr id="3" name="TextBox 2">
+            <a:extLst>
+              <a:ext uri="{FF2B5EF4-FFF2-40B4-BE49-F238E27FC236}">
+                <a16:creationId xmlns:a16="http://schemas.microsoft.com/office/drawing/2014/main" id="{0A715FE2-E720-4060-8B75-4019F8B29305}"/>
+              </a:ext>
+            </a:extLst>
+          </p:cNvPr>
+          <p:cNvSpPr txBox="1"/>
+          <p:nvPr/>
+        </p:nvSpPr>
+        <p:spPr>
+          <a:xfrm>
+            <a:off x="632012" y="1634452"/>
+            <a:ext cx="8200288" cy="3754874"/>
+          </a:xfrm>
+          <a:prstGeom prst="rect">
+            <a:avLst/>
+          </a:prstGeom>
+          <a:noFill/>
+        </p:spPr>
+        <p:txBody>
+          <a:bodyPr wrap="square" rtlCol="0">
+            <a:spAutoFit/>
+          </a:bodyPr>
+          <a:lstStyle/>
+          <a:p>
+            <a:pPr marL="285750" indent="-285750">
+              <a:buFont typeface="Arial" panose="020B0604020202020204" pitchFamily="34" charset="0"/>
+              <a:buChar char="•"/>
+            </a:pPr>
+            <a:r>
+              <a:rPr lang="en-US" dirty="0"/>
+              <a:t>Is the project agile?  Quick, well coordinated, active, lively</a:t>
+            </a:r>
+          </a:p>
+          <a:p>
+            <a:pPr marL="285750" indent="-285750">
+              <a:buFont typeface="Arial" panose="020B0604020202020204" pitchFamily="34" charset="0"/>
+              <a:buChar char="•"/>
+            </a:pPr>
+            <a:r>
+              <a:rPr lang="en-US" dirty="0"/>
+              <a:t>Agile Software Development?  Deliver value by working incrementally vs one big launch and Responsive to Change by continually evaluating plans, requirements and user needs</a:t>
+            </a:r>
+          </a:p>
+          <a:p>
+            <a:pPr marL="285750" indent="-285750">
+              <a:buFont typeface="Arial" panose="020B0604020202020204" pitchFamily="34" charset="0"/>
+              <a:buChar char="•"/>
+            </a:pPr>
+            <a:r>
+              <a:rPr lang="en-US" dirty="0"/>
+              <a:t>Iterative vs Incremental?  Complete changes rather than leaving project not working with small changes</a:t>
+            </a:r>
+          </a:p>
+          <a:p>
+            <a:pPr marL="285750" indent="-285750">
+              <a:buFont typeface="Arial" panose="020B0604020202020204" pitchFamily="34" charset="0"/>
+              <a:buChar char="•"/>
+            </a:pPr>
+            <a:r>
+              <a:rPr lang="en-US" dirty="0"/>
+              <a:t>Minimal Viable Product?  Who is audience?  What is the problem the product will </a:t>
+            </a:r>
+            <a:r>
+              <a:rPr lang="en-US" dirty="0" err="1"/>
+              <a:t>adderess</a:t>
+            </a:r>
+            <a:r>
+              <a:rPr lang="en-US" dirty="0"/>
+              <a:t>? How does the product solve that problem?</a:t>
+            </a:r>
+          </a:p>
+          <a:p>
+            <a:pPr marL="285750" indent="-285750">
+              <a:buFont typeface="Arial" panose="020B0604020202020204" pitchFamily="34" charset="0"/>
+              <a:buChar char="•"/>
+            </a:pPr>
+            <a:r>
+              <a:rPr lang="en-US" dirty="0"/>
+              <a:t>User Story?  As a ____, I want ________, so that __________</a:t>
+            </a:r>
+          </a:p>
+          <a:p>
+            <a:pPr marL="285750" indent="-285750">
+              <a:buFont typeface="Arial" panose="020B0604020202020204" pitchFamily="34" charset="0"/>
+              <a:buChar char="•"/>
+            </a:pPr>
+            <a:r>
+              <a:rPr lang="en-US" dirty="0"/>
+              <a:t>Log issues in GitHub</a:t>
+            </a:r>
+          </a:p>
+          <a:p>
+            <a:pPr marL="285750" indent="-285750">
+              <a:buFont typeface="Arial" panose="020B0604020202020204" pitchFamily="34" charset="0"/>
+              <a:buChar char="•"/>
+            </a:pPr>
+            <a:r>
+              <a:rPr lang="en-US" dirty="0"/>
+              <a:t>Kanban Meetings:  To do?  In Progress?  Done?</a:t>
+            </a:r>
+          </a:p>
+          <a:p>
+            <a:pPr marL="285750" indent="-285750">
+              <a:buFont typeface="Arial" panose="020B0604020202020204" pitchFamily="34" charset="0"/>
+              <a:buChar char="•"/>
+            </a:pPr>
+            <a:r>
+              <a:rPr lang="en-US" dirty="0"/>
+              <a:t>Project must use at least two server-side APIs, must use CSS framework other than Bootstrap, must use client side storage for persistent data, have a polished mobile first UI, good quality coding standards, not use alerts, confirms or prompts, be deployed to GitHub and must be interactive</a:t>
+            </a:r>
+          </a:p>
+          <a:p>
+            <a:pPr marL="285750" indent="-285750">
+              <a:buFont typeface="Arial" panose="020B0604020202020204" pitchFamily="34" charset="0"/>
+              <a:buChar char="•"/>
+            </a:pPr>
+            <a:endParaRPr lang="en-US" dirty="0"/>
+          </a:p>
+          <a:p>
+            <a:pPr marL="285750" indent="-285750">
+              <a:buFont typeface="Arial" panose="020B0604020202020204" pitchFamily="34" charset="0"/>
+              <a:buChar char="•"/>
+            </a:pPr>
+            <a:endParaRPr lang="en-US" dirty="0"/>
+          </a:p>
+          <a:p>
+            <a:pPr marL="285750" lvl="7" indent="-285750">
+              <a:buFont typeface="Arial" panose="020B0604020202020204" pitchFamily="34" charset="0"/>
+              <a:buChar char="•"/>
+            </a:pPr>
+            <a:endParaRPr lang="en-US" dirty="0"/>
+          </a:p>
+        </p:txBody>
+      </p:sp>
+    </p:spTree>
+    <p:extLst>
+      <p:ext uri="{BB962C8B-B14F-4D97-AF65-F5344CB8AC3E}">
+        <p14:creationId xmlns:p14="http://schemas.microsoft.com/office/powerpoint/2010/main" val="3461519698"/>
+      </p:ext>
+    </p:extLst>
+  </p:cSld>
+  <p:clrMapOvr>
+    <a:masterClrMapping/>
+  </p:clrMapOvr>
+</p:sld>
+</file>
+
+<file path=ppt/slides/slide3.xml><?xml version="1.0" encoding="utf-8"?>
 <p:sld xmlns:a="http://schemas.openxmlformats.org/drawingml/2006/main" xmlns:r="http://schemas.openxmlformats.org/officeDocument/2006/relationships" xmlns:p="http://schemas.openxmlformats.org/presentationml/2006/main">
   <p:cSld>
     <p:spTree>
@@ -6318,8 +6547,8 @@
         </p:nvSpPr>
         <p:spPr>
           <a:xfrm>
-            <a:off x="311700" y="2150850"/>
-            <a:ext cx="8520600" cy="841800"/>
+            <a:off x="311700" y="161365"/>
+            <a:ext cx="8520600" cy="4693023"/>
           </a:xfrm>
           <a:prstGeom prst="rect">
             <a:avLst/>
@@ -6331,7 +6560,7 @@
           </a:bodyPr>
           <a:lstStyle/>
           <a:p>
-            <a:pPr marL="0" lvl="0" indent="0" algn="ctr" rtl="0">
+            <a:pPr marL="0" lvl="0" indent="0" rtl="0">
               <a:spcBef>
                 <a:spcPts val="0"/>
               </a:spcBef>
@@ -6341,10 +6570,13 @@
               <a:buNone/>
             </a:pPr>
             <a:r>
-              <a:rPr lang="en"/>
+              <a:rPr lang="en" dirty="0"/>
               <a:t>Elevator pitch</a:t>
             </a:r>
-            <a:endParaRPr/>
+            <a:br>
+              <a:rPr lang="en" dirty="0"/>
+            </a:br>
+            <a:endParaRPr dirty="0"/>
           </a:p>
         </p:txBody>
       </p:sp>
@@ -6356,7 +6588,7 @@
 </p:sld>
 </file>
 
-<file path=ppt/slides/slide3.xml><?xml version="1.0" encoding="utf-8"?>
+<file path=ppt/slides/slide4.xml><?xml version="1.0" encoding="utf-8"?>
 <p:sld xmlns:a="http://schemas.openxmlformats.org/drawingml/2006/main" xmlns:r="http://schemas.openxmlformats.org/officeDocument/2006/relationships" xmlns:p="http://schemas.openxmlformats.org/presentationml/2006/main">
   <p:cSld>
     <p:spTree>
@@ -6408,10 +6640,10 @@
               <a:buNone/>
             </a:pPr>
             <a:r>
-              <a:rPr lang="en"/>
-              <a:t>Concept</a:t>
+              <a:rPr lang="en" dirty="0"/>
+              <a:t>Concept: What is the user story?</a:t>
             </a:r>
-            <a:endParaRPr/>
+            <a:endParaRPr dirty="0"/>
           </a:p>
         </p:txBody>
       </p:sp>
@@ -6472,7 +6704,7 @@
 </p:sld>
 </file>
 
-<file path=ppt/slides/slide4.xml><?xml version="1.0" encoding="utf-8"?>
+<file path=ppt/slides/slide5.xml><?xml version="1.0" encoding="utf-8"?>
 <p:sld xmlns:a="http://schemas.openxmlformats.org/drawingml/2006/main" xmlns:r="http://schemas.openxmlformats.org/officeDocument/2006/relationships" xmlns:p="http://schemas.openxmlformats.org/presentationml/2006/main">
   <p:cSld>
     <p:spTree>
@@ -6524,10 +6756,10 @@
               <a:buNone/>
             </a:pPr>
             <a:r>
-              <a:rPr lang="en"/>
-              <a:t>Process</a:t>
+              <a:rPr lang="en" dirty="0"/>
+              <a:t>Process:</a:t>
             </a:r>
-            <a:endParaRPr/>
+            <a:endParaRPr dirty="0"/>
           </a:p>
         </p:txBody>
       </p:sp>
@@ -6593,7 +6825,46 @@
             </a:pPr>
             <a:r>
               <a:rPr lang="en" dirty="0"/>
-              <a:t>Breakdown of tasks and roles</a:t>
+              <a:t>Breakdown of tasks and roles:</a:t>
+            </a:r>
+          </a:p>
+          <a:p>
+            <a:pPr lvl="1" indent="-342900">
+              <a:spcBef>
+                <a:spcPts val="0"/>
+              </a:spcBef>
+              <a:buSzPts val="1800"/>
+              <a:buChar char="●"/>
+            </a:pPr>
+            <a:endParaRPr dirty="0"/>
+          </a:p>
+          <a:p>
+            <a:pPr marL="457200" lvl="0" indent="-342900" algn="l" rtl="0">
+              <a:spcBef>
+                <a:spcPts val="0"/>
+              </a:spcBef>
+              <a:spcAft>
+                <a:spcPts val="0"/>
+              </a:spcAft>
+              <a:buSzPts val="1800"/>
+              <a:buChar char="●"/>
+            </a:pPr>
+            <a:r>
+              <a:rPr lang="en-US" dirty="0"/>
+              <a:t>Challenges:</a:t>
+            </a:r>
+          </a:p>
+          <a:p>
+            <a:pPr lvl="1" indent="-342900">
+              <a:spcBef>
+                <a:spcPts val="0"/>
+              </a:spcBef>
+              <a:buSzPts val="1800"/>
+              <a:buChar char="●"/>
+            </a:pPr>
+            <a:r>
+              <a:rPr lang="en-US" dirty="0"/>
+              <a:t>How to properly display the days of the week and meal section on the page</a:t>
             </a:r>
             <a:endParaRPr dirty="0"/>
           </a:p>
@@ -6610,25 +6881,17 @@
             </a:pPr>
             <a:r>
               <a:rPr lang="en" dirty="0"/>
-              <a:t>Challenges</a:t>
+              <a:t>Successes:</a:t>
             </a:r>
-            <a:endParaRPr dirty="0"/>
           </a:p>
           <a:p>
-            <a:pPr marL="457200" lvl="0" indent="-342900" algn="l" rtl="0">
-              <a:spcBef>
-                <a:spcPts val="0"/>
-              </a:spcBef>
-              <a:spcAft>
-                <a:spcPts val="0"/>
-              </a:spcAft>
+            <a:pPr lvl="1" indent="-342900">
+              <a:spcBef>
+                <a:spcPts val="0"/>
+              </a:spcBef>
               <a:buSzPts val="1800"/>
               <a:buChar char="●"/>
             </a:pPr>
-            <a:r>
-              <a:rPr lang="en" dirty="0"/>
-              <a:t>Successes</a:t>
-            </a:r>
             <a:endParaRPr dirty="0"/>
           </a:p>
         </p:txBody>
@@ -6641,7 +6904,7 @@
 </p:sld>
 </file>
 
-<file path=ppt/slides/slide5.xml><?xml version="1.0" encoding="utf-8"?>
+<file path=ppt/slides/slide6.xml><?xml version="1.0" encoding="utf-8"?>
 <p:sld xmlns:a="http://schemas.openxmlformats.org/drawingml/2006/main" xmlns:r="http://schemas.openxmlformats.org/officeDocument/2006/relationships" xmlns:p="http://schemas.openxmlformats.org/presentationml/2006/main">
   <p:cSld>
     <p:spTree>
@@ -6708,7 +6971,7 @@
 </p:sld>
 </file>
 
-<file path=ppt/slides/slide6.xml><?xml version="1.0" encoding="utf-8"?>
+<file path=ppt/slides/slide7.xml><?xml version="1.0" encoding="utf-8"?>
 <p:sld xmlns:a="http://schemas.openxmlformats.org/drawingml/2006/main" xmlns:r="http://schemas.openxmlformats.org/officeDocument/2006/relationships" xmlns:p="http://schemas.openxmlformats.org/presentationml/2006/main">
   <p:cSld>
     <p:spTree>
@@ -6812,6 +7075,24 @@
               <a:rPr lang="en-US" dirty="0"/>
               <a:t>A shopping list that provides the aisle number for ingredient the user needs for a recipe. </a:t>
             </a:r>
+          </a:p>
+          <a:p>
+            <a:pPr marL="285750" indent="-285750">
+              <a:spcAft>
+                <a:spcPts val="1600"/>
+              </a:spcAft>
+            </a:pPr>
+            <a:r>
+              <a:rPr lang="en-US" dirty="0"/>
+              <a:t>Directions to nearest store using Google Maps</a:t>
+            </a:r>
+          </a:p>
+          <a:p>
+            <a:pPr marL="285750" indent="-285750">
+              <a:spcAft>
+                <a:spcPts val="1600"/>
+              </a:spcAft>
+            </a:pPr>
             <a:endParaRPr dirty="0"/>
           </a:p>
         </p:txBody>
@@ -6824,7 +7105,7 @@
 </p:sld>
 </file>
 
-<file path=ppt/slides/slide7.xml><?xml version="1.0" encoding="utf-8"?>
+<file path=ppt/slides/slide8.xml><?xml version="1.0" encoding="utf-8"?>
 <p:sld xmlns:a="http://schemas.openxmlformats.org/drawingml/2006/main" xmlns:r="http://schemas.openxmlformats.org/officeDocument/2006/relationships" xmlns:p="http://schemas.openxmlformats.org/presentationml/2006/main">
   <p:cSld>
     <p:spTree>
